--- a/HttpTriggerCSharp1/Proposal.pptx
+++ b/HttpTriggerCSharp1/Proposal.pptx
@@ -6,9 +6,6 @@
   </p:sldMasterIdLst>
   <p:sldIdLst>
     <p:sldId id="256" r:id="rId2"/>
-    <p:sldId id="257" r:id="rId3"/>
-    <p:sldId id="258" r:id="rId4"/>
-    <p:sldId id="259" r:id="rId5"/>
   </p:sldIdLst>
   <p:sldSz cx="12192000" cy="6858000"/>
   <p:notesSz cx="6858000" cy="9144000"/>
@@ -107,6 +104,11 @@
       </a:defRPr>
     </a:lvl9pPr>
   </p:defaultTextStyle>
+  <p:extLst>
+    <p:ext uri="{EFAFB233-063F-42B5-8137-9DF3F51BA10A}">
+      <p15:sldGuideLst xmlns:p15="http://schemas.microsoft.com/office/powerpoint/2012/main"/>
+    </p:ext>
+  </p:extLst>
 </p:presentation>
 </file>
 
@@ -249,7 +251,7 @@
           <a:p>
             <a:fld id="{48A87A34-81AB-432B-8DAE-1953F412C126}" type="datetimeFigureOut">
               <a:rPr lang="en-US" dirty="0"/>
-              <a:t>3/29/2017</a:t>
+              <a:t>3/30/2017</a:t>
             </a:fld>
             <a:endParaRPr lang="en-US" dirty="0"/>
           </a:p>
@@ -424,7 +426,7 @@
           <a:p>
             <a:fld id="{48A87A34-81AB-432B-8DAE-1953F412C126}" type="datetimeFigureOut">
               <a:rPr lang="en-US" dirty="0"/>
-              <a:t>3/29/2017</a:t>
+              <a:t>3/30/2017</a:t>
             </a:fld>
             <a:endParaRPr lang="en-US" dirty="0"/>
           </a:p>
@@ -603,7 +605,7 @@
           <a:p>
             <a:fld id="{48A87A34-81AB-432B-8DAE-1953F412C126}" type="datetimeFigureOut">
               <a:rPr lang="en-US" dirty="0"/>
-              <a:t>3/29/2017</a:t>
+              <a:t>3/30/2017</a:t>
             </a:fld>
             <a:endParaRPr lang="en-US" dirty="0"/>
           </a:p>
@@ -768,7 +770,7 @@
           <a:p>
             <a:fld id="{48A87A34-81AB-432B-8DAE-1953F412C126}" type="datetimeFigureOut">
               <a:rPr lang="en-US" dirty="0"/>
-              <a:t>3/29/2017</a:t>
+              <a:t>3/30/2017</a:t>
             </a:fld>
             <a:endParaRPr lang="en-US" dirty="0"/>
           </a:p>
@@ -1011,7 +1013,7 @@
           <a:p>
             <a:fld id="{48A87A34-81AB-432B-8DAE-1953F412C126}" type="datetimeFigureOut">
               <a:rPr lang="en-US" dirty="0"/>
-              <a:t>3/29/2017</a:t>
+              <a:t>3/30/2017</a:t>
             </a:fld>
             <a:endParaRPr lang="en-US" dirty="0"/>
           </a:p>
@@ -1243,7 +1245,7 @@
           <a:p>
             <a:fld id="{48A87A34-81AB-432B-8DAE-1953F412C126}" type="datetimeFigureOut">
               <a:rPr lang="en-US" dirty="0"/>
-              <a:t>3/29/2017</a:t>
+              <a:t>3/30/2017</a:t>
             </a:fld>
             <a:endParaRPr lang="en-US" dirty="0"/>
           </a:p>
@@ -1623,7 +1625,7 @@
           <a:p>
             <a:fld id="{48A87A34-81AB-432B-8DAE-1953F412C126}" type="datetimeFigureOut">
               <a:rPr lang="en-US" dirty="0"/>
-              <a:t>3/29/2017</a:t>
+              <a:t>3/30/2017</a:t>
             </a:fld>
             <a:endParaRPr lang="en-US" dirty="0"/>
           </a:p>
@@ -1736,7 +1738,7 @@
           <a:p>
             <a:fld id="{48A87A34-81AB-432B-8DAE-1953F412C126}" type="datetimeFigureOut">
               <a:rPr lang="en-US" dirty="0"/>
-              <a:t>3/29/2017</a:t>
+              <a:t>3/30/2017</a:t>
             </a:fld>
             <a:endParaRPr lang="en-US" dirty="0"/>
           </a:p>
@@ -1826,7 +1828,7 @@
           <a:p>
             <a:fld id="{48A87A34-81AB-432B-8DAE-1953F412C126}" type="datetimeFigureOut">
               <a:rPr lang="en-US" dirty="0"/>
-              <a:t>3/29/2017</a:t>
+              <a:t>3/30/2017</a:t>
             </a:fld>
             <a:endParaRPr lang="en-US" dirty="0"/>
           </a:p>
@@ -2072,7 +2074,7 @@
           <a:p>
             <a:fld id="{48A87A34-81AB-432B-8DAE-1953F412C126}" type="datetimeFigureOut">
               <a:rPr lang="en-US" dirty="0"/>
-              <a:t>3/29/2017</a:t>
+              <a:t>3/30/2017</a:t>
             </a:fld>
             <a:endParaRPr lang="en-US" dirty="0"/>
           </a:p>
@@ -2459,7 +2461,7 @@
             <a:fld id="{48A87A34-81AB-432B-8DAE-1953F412C126}" type="datetimeFigureOut">
               <a:rPr lang="en-US" dirty="0"/>
               <a:pPr/>
-              <a:t>3/29/2017</a:t>
+              <a:t>3/30/2017</a:t>
             </a:fld>
             <a:endParaRPr lang="en-US" dirty="0"/>
           </a:p>
@@ -2672,7 +2674,7 @@
             <a:fld id="{48A87A34-81AB-432B-8DAE-1953F412C126}" type="datetimeFigureOut">
               <a:rPr lang="en-US" dirty="0"/>
               <a:pPr/>
-              <a:t>3/29/2017</a:t>
+              <a:t>3/30/2017</a:t>
             </a:fld>
             <a:endParaRPr lang="en-US" dirty="0"/>
           </a:p>
@@ -3234,318 +3236,110 @@
           <a:chExt cx="0" cy="0"/>
         </a:xfrm>
       </p:grpSpPr>
-      <p:sp>
-        <p:nvSpPr>
-          <p:cNvPr id="2" name="Title 1"/>
-          <p:cNvSpPr>
-            <a:spLocks noGrp="1"/>
-          </p:cNvSpPr>
-          <p:nvPr>
-            <p:ph type="ctrTitle"/>
-          </p:nvPr>
-        </p:nvSpPr>
-        <p:spPr/>
-        <p:txBody>
-          <a:bodyPr/>
-          <a:lstStyle/>
-          <a:p>
-            <a:r>
-              <a:rPr lang="en-US" dirty="0"/>
-              <a:t>Summary</a:t>
-            </a:r>
-          </a:p>
-        </p:txBody>
-      </p:sp>
-      <p:sp>
-        <p:nvSpPr>
-          <p:cNvPr id="3" name="Subtitle 2"/>
-          <p:cNvSpPr>
-            <a:spLocks noGrp="1"/>
-          </p:cNvSpPr>
-          <p:nvPr>
-            <p:ph type="subTitle" idx="1"/>
-          </p:nvPr>
-        </p:nvSpPr>
-        <p:spPr/>
-        <p:txBody>
-          <a:bodyPr/>
-          <a:lstStyle/>
-          <a:p>
-            <a:endParaRPr lang="en-US"/>
-          </a:p>
-        </p:txBody>
-      </p:sp>
-    </p:spTree>
-    <p:extLst>
-      <p:ext uri="{BB962C8B-B14F-4D97-AF65-F5344CB8AC3E}">
-        <p14:creationId xmlns:p14="http://schemas.microsoft.com/office/powerpoint/2010/main" val="1679431693"/>
-      </p:ext>
-    </p:extLst>
-  </p:cSld>
-  <p:clrMapOvr>
-    <a:masterClrMapping/>
-  </p:clrMapOvr>
-</p:sld>
-</file>
-
-<file path=ppt/slides/slide2.xml><?xml version="1.0" encoding="utf-8"?>
-<p:sld xmlns:a="http://schemas.openxmlformats.org/drawingml/2006/main" xmlns:r="http://schemas.openxmlformats.org/officeDocument/2006/relationships" xmlns:p="http://schemas.openxmlformats.org/presentationml/2006/main">
-  <p:cSld>
-    <p:spTree>
-      <p:nvGrpSpPr>
-        <p:cNvPr id="1" name=""/>
-        <p:cNvGrpSpPr/>
-        <p:nvPr/>
-      </p:nvGrpSpPr>
-      <p:grpSpPr>
-        <a:xfrm>
-          <a:off x="0" y="0"/>
-          <a:ext cx="0" cy="0"/>
-          <a:chOff x="0" y="0"/>
-          <a:chExt cx="0" cy="0"/>
-        </a:xfrm>
-      </p:grpSpPr>
-      <p:sp>
-        <p:nvSpPr>
-          <p:cNvPr id="2" name="Title 1"/>
-          <p:cNvSpPr>
-            <a:spLocks noGrp="1"/>
-          </p:cNvSpPr>
-          <p:nvPr>
-            <p:ph type="title"/>
-          </p:nvPr>
-        </p:nvSpPr>
-        <p:spPr/>
-        <p:txBody>
-          <a:bodyPr/>
-          <a:lstStyle/>
-          <a:p>
-            <a:r>
-              <a:rPr lang="en-US" dirty="0"/>
-              <a:t>Resources</a:t>
-            </a:r>
-          </a:p>
-        </p:txBody>
-      </p:sp>
-      <p:sp>
-        <p:nvSpPr>
-          <p:cNvPr id="3" name="Content Placeholder 2"/>
-          <p:cNvSpPr>
-            <a:spLocks noGrp="1"/>
-          </p:cNvSpPr>
-          <p:nvPr>
-            <p:ph idx="1"/>
-          </p:nvPr>
-        </p:nvSpPr>
-        <p:spPr/>
-        <p:txBody>
-          <a:bodyPr/>
-          <a:lstStyle/>
-          <a:p>
-            <a:r>
-              <a:rPr lang="en-US" dirty="0"/>
-              <a:t>Ryan</a:t>
-            </a:r>
-          </a:p>
-        </p:txBody>
-      </p:sp>
-    </p:spTree>
-    <p:extLst>
-      <p:ext uri="{BB962C8B-B14F-4D97-AF65-F5344CB8AC3E}">
-        <p14:creationId xmlns:p14="http://schemas.microsoft.com/office/powerpoint/2010/main" val="2413145339"/>
-      </p:ext>
-    </p:extLst>
-  </p:cSld>
-  <p:clrMapOvr>
-    <a:masterClrMapping/>
-  </p:clrMapOvr>
-</p:sld>
-</file>
-
-<file path=ppt/slides/slide3.xml><?xml version="1.0" encoding="utf-8"?>
-<p:sld xmlns:a="http://schemas.openxmlformats.org/drawingml/2006/main" xmlns:r="http://schemas.openxmlformats.org/officeDocument/2006/relationships" xmlns:p="http://schemas.openxmlformats.org/presentationml/2006/main">
-  <p:cSld>
-    <p:spTree>
-      <p:nvGrpSpPr>
-        <p:cNvPr id="1" name=""/>
-        <p:cNvGrpSpPr/>
-        <p:nvPr/>
-      </p:nvGrpSpPr>
-      <p:grpSpPr>
-        <a:xfrm>
-          <a:off x="0" y="0"/>
-          <a:ext cx="0" cy="0"/>
-          <a:chOff x="0" y="0"/>
-          <a:chExt cx="0" cy="0"/>
-        </a:xfrm>
-      </p:grpSpPr>
-      <p:sp>
-        <p:nvSpPr>
-          <p:cNvPr id="2" name="Title 1"/>
-          <p:cNvSpPr>
-            <a:spLocks noGrp="1"/>
-          </p:cNvSpPr>
-          <p:nvPr>
-            <p:ph type="title"/>
-          </p:nvPr>
-        </p:nvSpPr>
-        <p:spPr/>
-        <p:txBody>
-          <a:bodyPr/>
-          <a:lstStyle/>
-          <a:p>
-            <a:r>
-              <a:rPr lang="en-US" dirty="0"/>
-              <a:t>Ryan Schouten</a:t>
-            </a:r>
-          </a:p>
-        </p:txBody>
-      </p:sp>
-      <p:sp>
-        <p:nvSpPr>
-          <p:cNvPr id="3" name="Content Placeholder 2"/>
-          <p:cNvSpPr>
-            <a:spLocks noGrp="1"/>
-          </p:cNvSpPr>
-          <p:nvPr>
-            <p:ph idx="1"/>
-          </p:nvPr>
-        </p:nvSpPr>
-        <p:spPr/>
-        <p:txBody>
-          <a:bodyPr/>
-          <a:lstStyle/>
-          <a:p>
-            <a:r>
-              <a:rPr lang="en-US" dirty="0"/>
-              <a:t>Super Cool Guy</a:t>
-            </a:r>
-          </a:p>
-        </p:txBody>
-      </p:sp>
       <p:pic>
         <p:nvPicPr>
-          <p:cNvPr id="6" name="Content Placeholder 4"/>
+          <p:cNvPr id="1026" name="Picture 1" descr="image001"/>
+          <p:cNvPicPr>
+            <a:picLocks noChangeAspect="1" noChangeArrowheads="1"/>
+          </p:cNvPicPr>
+          <p:nvPr/>
+        </p:nvPicPr>
+        <p:blipFill>
+          <a:blip r:embed="rId2">
+            <a:extLst>
+              <a:ext uri="{28A0092B-C50C-407E-A947-70E740481C1C}">
+                <a14:useLocalDpi xmlns:a14="http://schemas.microsoft.com/office/drawing/2010/main" val="0"/>
+              </a:ext>
+            </a:extLst>
+          </a:blip>
+          <a:srcRect/>
+          <a:stretch>
+            <a:fillRect/>
+          </a:stretch>
+        </p:blipFill>
+        <p:spPr bwMode="auto">
+          <a:xfrm>
+            <a:off x="3094703" y="491459"/>
+            <a:ext cx="5943600" cy="2008187"/>
+          </a:xfrm>
+          <a:prstGeom prst="roundRect">
+            <a:avLst>
+              <a:gd name="adj" fmla="val 4167"/>
+            </a:avLst>
+          </a:prstGeom>
+          <a:solidFill>
+            <a:srgbClr val="FFFFFF"/>
+          </a:solidFill>
+          <a:ln w="76200" cap="sq">
+            <a:solidFill>
+              <a:srgbClr val="292929"/>
+            </a:solidFill>
+            <a:miter lim="800000"/>
+          </a:ln>
+          <a:effectLst>
+            <a:reflection blurRad="12700" stA="28000" endPos="28000" dist="5000" dir="5400000" sy="-100000" algn="bl" rotWithShape="0"/>
+          </a:effectLst>
+          <a:scene3d>
+            <a:camera prst="orthographicFront"/>
+            <a:lightRig rig="threePt" dir="t">
+              <a:rot lat="0" lon="0" rev="2700000"/>
+            </a:lightRig>
+          </a:scene3d>
+          <a:sp3d>
+            <a:bevelT h="38100"/>
+            <a:contourClr>
+              <a:srgbClr val="C0C0C0"/>
+            </a:contourClr>
+          </a:sp3d>
+          <a:extLst>
+            <a:ext uri="{909E8E84-426E-40DD-AFC4-6F175D3DCCD1}">
+              <a14:hiddenFill xmlns:a14="http://schemas.microsoft.com/office/drawing/2010/main">
+                <a:solidFill>
+                  <a:srgbClr val="FFFFFF"/>
+                </a:solidFill>
+              </a14:hiddenFill>
+            </a:ext>
+            <a:ext uri="{91240B29-F687-4F45-9708-019B960494DF}">
+              <a14:hiddenLine xmlns:a14="http://schemas.microsoft.com/office/drawing/2010/main" w="9525">
+                <a:solidFill>
+                  <a:srgbClr val="000000"/>
+                </a:solidFill>
+                <a:miter lim="800000"/>
+                <a:headEnd/>
+                <a:tailEnd/>
+              </a14:hiddenLine>
+            </a:ext>
+          </a:extLst>
+        </p:spPr>
+      </p:pic>
+      <p:pic>
+        <p:nvPicPr>
+          <p:cNvPr id="4" name="Picture 3"/>
           <p:cNvPicPr>
             <a:picLocks noChangeAspect="1"/>
           </p:cNvPicPr>
           <p:nvPr/>
         </p:nvPicPr>
         <p:blipFill>
-          <a:blip r:embed="rId2"/>
+          <a:blip r:embed="rId3"/>
           <a:stretch>
             <a:fillRect/>
           </a:stretch>
         </p:blipFill>
         <p:spPr>
           <a:xfrm>
-            <a:off x="471027" y="311372"/>
-            <a:ext cx="1443686" cy="1443686"/>
+            <a:off x="2513678" y="3735951"/>
+            <a:ext cx="7105650" cy="1200150"/>
           </a:xfrm>
-          <a:prstGeom prst="ellipse">
+          <a:prstGeom prst="rect">
             <a:avLst/>
           </a:prstGeom>
-          <a:ln w="63500" cap="rnd">
-            <a:solidFill>
-              <a:srgbClr val="333333"/>
-            </a:solidFill>
-          </a:ln>
-          <a:effectLst>
-            <a:outerShdw blurRad="381000" dist="292100" dir="5400000" sx="-80000" sy="-18000" rotWithShape="0">
-              <a:srgbClr val="000000">
-                <a:alpha val="22000"/>
-              </a:srgbClr>
-            </a:outerShdw>
-          </a:effectLst>
-          <a:scene3d>
-            <a:camera prst="orthographicFront"/>
-            <a:lightRig rig="contrasting" dir="t">
-              <a:rot lat="0" lon="0" rev="3000000"/>
-            </a:lightRig>
-          </a:scene3d>
-          <a:sp3d contourW="7620">
-            <a:bevelT w="95250" h="31750"/>
-            <a:contourClr>
-              <a:srgbClr val="333333"/>
-            </a:contourClr>
-          </a:sp3d>
         </p:spPr>
       </p:pic>
     </p:spTree>
     <p:extLst>
       <p:ext uri="{BB962C8B-B14F-4D97-AF65-F5344CB8AC3E}">
-        <p14:creationId xmlns:p14="http://schemas.microsoft.com/office/powerpoint/2010/main" val="3206591681"/>
-      </p:ext>
-    </p:extLst>
-  </p:cSld>
-  <p:clrMapOvr>
-    <a:masterClrMapping/>
-  </p:clrMapOvr>
-</p:sld>
-</file>
-
-<file path=ppt/slides/slide4.xml><?xml version="1.0" encoding="utf-8"?>
-<p:sld xmlns:a="http://schemas.openxmlformats.org/drawingml/2006/main" xmlns:r="http://schemas.openxmlformats.org/officeDocument/2006/relationships" xmlns:p="http://schemas.openxmlformats.org/presentationml/2006/main">
-  <p:cSld>
-    <p:spTree>
-      <p:nvGrpSpPr>
-        <p:cNvPr id="1" name=""/>
-        <p:cNvGrpSpPr/>
-        <p:nvPr/>
-      </p:nvGrpSpPr>
-      <p:grpSpPr>
-        <a:xfrm>
-          <a:off x="0" y="0"/>
-          <a:ext cx="0" cy="0"/>
-          <a:chOff x="0" y="0"/>
-          <a:chExt cx="0" cy="0"/>
-        </a:xfrm>
-      </p:grpSpPr>
-      <p:sp>
-        <p:nvSpPr>
-          <p:cNvPr id="2" name="Title 1"/>
-          <p:cNvSpPr>
-            <a:spLocks noGrp="1"/>
-          </p:cNvSpPr>
-          <p:nvPr>
-            <p:ph type="title"/>
-          </p:nvPr>
-        </p:nvSpPr>
-        <p:spPr/>
-        <p:txBody>
-          <a:bodyPr/>
-          <a:lstStyle/>
-          <a:p>
-            <a:r>
-              <a:rPr lang="en-US" dirty="0"/>
-              <a:t>End</a:t>
-            </a:r>
-          </a:p>
-        </p:txBody>
-      </p:sp>
-      <p:sp>
-        <p:nvSpPr>
-          <p:cNvPr id="3" name="Content Placeholder 2"/>
-          <p:cNvSpPr>
-            <a:spLocks noGrp="1"/>
-          </p:cNvSpPr>
-          <p:nvPr>
-            <p:ph idx="1"/>
-          </p:nvPr>
-        </p:nvSpPr>
-        <p:spPr/>
-        <p:txBody>
-          <a:bodyPr/>
-          <a:lstStyle/>
-          <a:p>
-            <a:endParaRPr lang="en-US"/>
-          </a:p>
-        </p:txBody>
-      </p:sp>
-    </p:spTree>
-    <p:extLst>
-      <p:ext uri="{BB962C8B-B14F-4D97-AF65-F5344CB8AC3E}">
-        <p14:creationId xmlns:p14="http://schemas.microsoft.com/office/powerpoint/2010/main" val="3122899061"/>
+        <p14:creationId xmlns:p14="http://schemas.microsoft.com/office/powerpoint/2010/main" val="3608579439"/>
       </p:ext>
     </p:extLst>
   </p:cSld>
